--- a/IDS GROUP PROJECT.pptx
+++ b/IDS GROUP PROJECT.pptx
@@ -9,8 +9,9 @@
     <p:sldId id="262" r:id="rId3"/>
     <p:sldId id="258" r:id="rId4"/>
     <p:sldId id="259" r:id="rId5"/>
-    <p:sldId id="260" r:id="rId6"/>
-    <p:sldId id="261" r:id="rId7"/>
+    <p:sldId id="263" r:id="rId6"/>
+    <p:sldId id="260" r:id="rId7"/>
+    <p:sldId id="261" r:id="rId8"/>
   </p:sldIdLst>
   <p:sldSz cx="12192000" cy="6858000"/>
   <p:notesSz cx="6858000" cy="9144000"/>
@@ -109,6 +110,11 @@
       </a:defRPr>
     </a:lvl9pPr>
   </p:defaultTextStyle>
+  <p:extLst>
+    <p:ext uri="{EFAFB233-063F-42B5-8137-9DF3F51BA10A}">
+      <p15:sldGuideLst xmlns:p15="http://schemas.microsoft.com/office/powerpoint/2012/main"/>
+    </p:ext>
+  </p:extLst>
 </p:presentation>
 </file>
 
@@ -270,7 +276,7 @@
           <a:p>
             <a:fld id="{655A5808-3B61-48CC-92EF-85AC2E0DFA56}" type="datetime2">
               <a:rPr lang="en-US" smtClean="0"/>
-              <a:t>Friday, October 8, 2021</a:t>
+              <a:t>Wednesday, October 13, 2021</a:t>
             </a:fld>
             <a:endParaRPr lang="en-US"/>
           </a:p>
@@ -468,7 +474,7 @@
           <a:p>
             <a:fld id="{735E98AF-4574-4509-BF7A-519ACD5BF826}" type="datetime2">
               <a:rPr lang="en-US" smtClean="0"/>
-              <a:t>Friday, October 8, 2021</a:t>
+              <a:t>Wednesday, October 13, 2021</a:t>
             </a:fld>
             <a:endParaRPr lang="en-US"/>
           </a:p>
@@ -678,7 +684,7 @@
           <a:p>
             <a:fld id="{93DD97D4-9636-490F-85D0-E926C2B6F3B1}" type="datetime2">
               <a:rPr lang="en-US" smtClean="0"/>
-              <a:t>Friday, October 8, 2021</a:t>
+              <a:t>Wednesday, October 13, 2021</a:t>
             </a:fld>
             <a:endParaRPr lang="en-US"/>
           </a:p>
@@ -877,7 +883,7 @@
           <a:p>
             <a:fld id="{2F3AF3C6-0FD4-4939-991C-00DDE5C56815}" type="datetime2">
               <a:rPr lang="en-US" smtClean="0"/>
-              <a:t>Friday, October 8, 2021</a:t>
+              <a:t>Wednesday, October 13, 2021</a:t>
             </a:fld>
             <a:endParaRPr lang="en-US"/>
           </a:p>
@@ -1158,7 +1164,7 @@
           <a:p>
             <a:fld id="{86807482-8128-47C6-A8DD-6452B0291CFF}" type="datetime2">
               <a:rPr lang="en-US" smtClean="0"/>
-              <a:t>Friday, October 8, 2021</a:t>
+              <a:t>Wednesday, October 13, 2021</a:t>
             </a:fld>
             <a:endParaRPr lang="en-US"/>
           </a:p>
@@ -1426,7 +1432,7 @@
           <a:p>
             <a:fld id="{37903F25-275E-41DE-BE3B-EBF0DB49F9B1}" type="datetime2">
               <a:rPr lang="en-US" smtClean="0"/>
-              <a:t>Friday, October 8, 2021</a:t>
+              <a:t>Wednesday, October 13, 2021</a:t>
             </a:fld>
             <a:endParaRPr lang="en-US"/>
           </a:p>
@@ -1807,7 +1813,7 @@
           <a:p>
             <a:fld id="{EE475572-4A44-4171-84AA-64D42C8050A6}" type="datetime2">
               <a:rPr lang="en-US" smtClean="0"/>
-              <a:t>Friday, October 8, 2021</a:t>
+              <a:t>Wednesday, October 13, 2021</a:t>
             </a:fld>
             <a:endParaRPr lang="en-US"/>
           </a:p>
@@ -1977,7 +1983,7 @@
           <a:p>
             <a:fld id="{C4C1612E-528E-4FD5-9E9E-E15F1108F171}" type="datetime2">
               <a:rPr lang="en-US" smtClean="0"/>
-              <a:t>Friday, October 8, 2021</a:t>
+              <a:t>Wednesday, October 13, 2021</a:t>
             </a:fld>
             <a:endParaRPr lang="en-US"/>
           </a:p>
@@ -2090,7 +2096,7 @@
           <a:p>
             <a:fld id="{D4F6D862-A06D-436F-A92E-EBAAD50B6E50}" type="datetime2">
               <a:rPr lang="en-US" smtClean="0"/>
-              <a:t>Friday, October 8, 2021</a:t>
+              <a:t>Wednesday, October 13, 2021</a:t>
             </a:fld>
             <a:endParaRPr lang="en-US"/>
           </a:p>
@@ -2407,7 +2413,7 @@
           <a:p>
             <a:fld id="{B73E0B7D-2260-4809-8F0A-9E5F3E24F169}" type="datetime2">
               <a:rPr lang="en-US" smtClean="0"/>
-              <a:t>Friday, October 8, 2021</a:t>
+              <a:t>Wednesday, October 13, 2021</a:t>
             </a:fld>
             <a:endParaRPr lang="en-US"/>
           </a:p>
@@ -2699,7 +2705,7 @@
           <a:p>
             <a:fld id="{3C8E4735-C637-46A3-94EB-AB3AC4188D2F}" type="datetime2">
               <a:rPr lang="en-US" smtClean="0"/>
-              <a:t>Friday, October 8, 2021</a:t>
+              <a:t>Wednesday, October 13, 2021</a:t>
             </a:fld>
             <a:endParaRPr lang="en-US"/>
           </a:p>
@@ -3067,7 +3073,7 @@
             <a:fld id="{AE0C963C-C1DB-4AFD-9DDC-0691666BF49B}" type="datetime2">
               <a:rPr lang="en-US" smtClean="0"/>
               <a:pPr/>
-              <a:t>Friday, October 8, 2021</a:t>
+              <a:t>Wednesday, October 13, 2021</a:t>
             </a:fld>
             <a:endParaRPr lang="en-US" cap="all" dirty="0"/>
           </a:p>
@@ -4508,7 +4514,7 @@
 </file>
 
 <file path=ppt/slides/slide4.xml><?xml version="1.0" encoding="utf-8"?>
-<p:sld xmlns:a="http://schemas.openxmlformats.org/drawingml/2006/main" xmlns:r="http://schemas.openxmlformats.org/officeDocument/2006/relationships" xmlns:p="http://schemas.openxmlformats.org/presentationml/2006/main">
+<p:sld xmlns:a="http://schemas.openxmlformats.org/drawingml/2006/main" xmlns:r="http://schemas.openxmlformats.org/officeDocument/2006/relationships" xmlns:p="http://schemas.openxmlformats.org/presentationml/2006/main" show="0">
   <p:cSld>
     <p:spTree>
       <p:nvGrpSpPr>
@@ -4862,6 +4868,284 @@
 </file>
 
 <file path=ppt/slides/slide5.xml><?xml version="1.0" encoding="utf-8"?>
+<p:sld xmlns:a="http://schemas.openxmlformats.org/drawingml/2006/main" xmlns:r="http://schemas.openxmlformats.org/officeDocument/2006/relationships" xmlns:p="http://schemas.openxmlformats.org/presentationml/2006/main">
+  <p:cSld>
+    <p:spTree>
+      <p:nvGrpSpPr>
+        <p:cNvPr id="1" name=""/>
+        <p:cNvGrpSpPr/>
+        <p:nvPr/>
+      </p:nvGrpSpPr>
+      <p:grpSpPr>
+        <a:xfrm>
+          <a:off x="0" y="0"/>
+          <a:ext cx="0" cy="0"/>
+          <a:chOff x="0" y="0"/>
+          <a:chExt cx="0" cy="0"/>
+        </a:xfrm>
+      </p:grpSpPr>
+      <p:pic>
+        <p:nvPicPr>
+          <p:cNvPr id="3" name="Picture 2">
+            <a:extLst>
+              <a:ext uri="{FF2B5EF4-FFF2-40B4-BE49-F238E27FC236}">
+                <a16:creationId xmlns:a16="http://schemas.microsoft.com/office/drawing/2014/main" id="{04920DD6-5C79-4593-A082-D51041E2A71E}"/>
+              </a:ext>
+            </a:extLst>
+          </p:cNvPr>
+          <p:cNvPicPr>
+            <a:picLocks noChangeAspect="1"/>
+          </p:cNvPicPr>
+          <p:nvPr/>
+        </p:nvPicPr>
+        <p:blipFill>
+          <a:blip r:embed="rId2"/>
+          <a:stretch>
+            <a:fillRect/>
+          </a:stretch>
+        </p:blipFill>
+        <p:spPr>
+          <a:xfrm>
+            <a:off x="271037" y="737118"/>
+            <a:ext cx="8568471" cy="5177324"/>
+          </a:xfrm>
+          <a:prstGeom prst="rect">
+            <a:avLst/>
+          </a:prstGeom>
+        </p:spPr>
+      </p:pic>
+      <p:pic>
+        <p:nvPicPr>
+          <p:cNvPr id="4" name="Picture 3">
+            <a:extLst>
+              <a:ext uri="{FF2B5EF4-FFF2-40B4-BE49-F238E27FC236}">
+                <a16:creationId xmlns:a16="http://schemas.microsoft.com/office/drawing/2014/main" id="{328625D1-58FA-4B04-89DB-2D326F2CE3FF}"/>
+              </a:ext>
+            </a:extLst>
+          </p:cNvPr>
+          <p:cNvPicPr>
+            <a:picLocks noChangeAspect="1"/>
+          </p:cNvPicPr>
+          <p:nvPr/>
+        </p:nvPicPr>
+        <p:blipFill>
+          <a:blip r:embed="rId3"/>
+          <a:stretch>
+            <a:fillRect/>
+          </a:stretch>
+        </p:blipFill>
+        <p:spPr>
+          <a:xfrm>
+            <a:off x="8929477" y="3582958"/>
+            <a:ext cx="3093435" cy="2339280"/>
+          </a:xfrm>
+          <a:prstGeom prst="rect">
+            <a:avLst/>
+          </a:prstGeom>
+        </p:spPr>
+      </p:pic>
+      <p:cxnSp>
+        <p:nvCxnSpPr>
+          <p:cNvPr id="5" name="Straight Connector 4">
+            <a:extLst>
+              <a:ext uri="{FF2B5EF4-FFF2-40B4-BE49-F238E27FC236}">
+                <a16:creationId xmlns:a16="http://schemas.microsoft.com/office/drawing/2014/main" id="{6B923CBE-EC29-4AB9-B50B-C7BD1FD7979F}"/>
+              </a:ext>
+            </a:extLst>
+          </p:cNvPr>
+          <p:cNvCxnSpPr>
+            <a:cxnSpLocks/>
+            <a:endCxn id="4" idx="1"/>
+          </p:cNvCxnSpPr>
+          <p:nvPr/>
+        </p:nvCxnSpPr>
+        <p:spPr>
+          <a:xfrm>
+            <a:off x="4786604" y="3325780"/>
+            <a:ext cx="4142873" cy="1426818"/>
+          </a:xfrm>
+          <a:prstGeom prst="line">
+            <a:avLst/>
+          </a:prstGeom>
+          <a:ln>
+            <a:headEnd type="oval" w="med" len="med"/>
+            <a:tailEnd type="oval" w="med" len="med"/>
+          </a:ln>
+        </p:spPr>
+        <p:style>
+          <a:lnRef idx="1">
+            <a:schemeClr val="accent1"/>
+          </a:lnRef>
+          <a:fillRef idx="0">
+            <a:schemeClr val="accent1"/>
+          </a:fillRef>
+          <a:effectRef idx="0">
+            <a:schemeClr val="accent1"/>
+          </a:effectRef>
+          <a:fontRef idx="minor">
+            <a:schemeClr val="tx1"/>
+          </a:fontRef>
+        </p:style>
+      </p:cxnSp>
+      <p:sp>
+        <p:nvSpPr>
+          <p:cNvPr id="6" name="TextBox 5">
+            <a:extLst>
+              <a:ext uri="{FF2B5EF4-FFF2-40B4-BE49-F238E27FC236}">
+                <a16:creationId xmlns:a16="http://schemas.microsoft.com/office/drawing/2014/main" id="{EB6BA7A7-84E9-4888-9A69-F8AFB3541BE1}"/>
+              </a:ext>
+            </a:extLst>
+          </p:cNvPr>
+          <p:cNvSpPr txBox="1"/>
+          <p:nvPr/>
+        </p:nvSpPr>
+        <p:spPr>
+          <a:xfrm>
+            <a:off x="9323340" y="3244334"/>
+            <a:ext cx="2305706" cy="369332"/>
+          </a:xfrm>
+          <a:prstGeom prst="rect">
+            <a:avLst/>
+          </a:prstGeom>
+          <a:noFill/>
+        </p:spPr>
+        <p:txBody>
+          <a:bodyPr wrap="square" rtlCol="0">
+            <a:spAutoFit/>
+          </a:bodyPr>
+          <a:lstStyle/>
+          <a:p>
+            <a:r>
+              <a:rPr lang="en-US" dirty="0"/>
+              <a:t>Recycling rate of paper</a:t>
+            </a:r>
+            <a:endParaRPr lang="en-FI" dirty="0"/>
+          </a:p>
+        </p:txBody>
+      </p:sp>
+      <p:pic>
+        <p:nvPicPr>
+          <p:cNvPr id="10" name="Picture 9">
+            <a:extLst>
+              <a:ext uri="{FF2B5EF4-FFF2-40B4-BE49-F238E27FC236}">
+                <a16:creationId xmlns:a16="http://schemas.microsoft.com/office/drawing/2014/main" id="{AB97C38F-4A8F-4F5E-A596-0619FEA64712}"/>
+              </a:ext>
+            </a:extLst>
+          </p:cNvPr>
+          <p:cNvPicPr>
+            <a:picLocks noChangeAspect="1"/>
+          </p:cNvPicPr>
+          <p:nvPr/>
+        </p:nvPicPr>
+        <p:blipFill>
+          <a:blip r:embed="rId4"/>
+          <a:stretch>
+            <a:fillRect/>
+          </a:stretch>
+        </p:blipFill>
+        <p:spPr>
+          <a:xfrm>
+            <a:off x="8929477" y="999875"/>
+            <a:ext cx="3093435" cy="2244459"/>
+          </a:xfrm>
+          <a:prstGeom prst="rect">
+            <a:avLst/>
+          </a:prstGeom>
+        </p:spPr>
+      </p:pic>
+      <p:cxnSp>
+        <p:nvCxnSpPr>
+          <p:cNvPr id="11" name="Straight Connector 10">
+            <a:extLst>
+              <a:ext uri="{FF2B5EF4-FFF2-40B4-BE49-F238E27FC236}">
+                <a16:creationId xmlns:a16="http://schemas.microsoft.com/office/drawing/2014/main" id="{BF69A8F0-07F5-4C9B-A24D-02889BD07894}"/>
+              </a:ext>
+            </a:extLst>
+          </p:cNvPr>
+          <p:cNvCxnSpPr>
+            <a:cxnSpLocks/>
+            <a:endCxn id="10" idx="1"/>
+          </p:cNvCxnSpPr>
+          <p:nvPr/>
+        </p:nvCxnSpPr>
+        <p:spPr>
+          <a:xfrm flipV="1">
+            <a:off x="4786604" y="2122105"/>
+            <a:ext cx="4142873" cy="1203676"/>
+          </a:xfrm>
+          <a:prstGeom prst="line">
+            <a:avLst/>
+          </a:prstGeom>
+          <a:ln>
+            <a:headEnd type="oval" w="med" len="med"/>
+            <a:tailEnd type="oval" w="med" len="med"/>
+          </a:ln>
+        </p:spPr>
+        <p:style>
+          <a:lnRef idx="1">
+            <a:schemeClr val="accent1"/>
+          </a:lnRef>
+          <a:fillRef idx="0">
+            <a:schemeClr val="accent1"/>
+          </a:fillRef>
+          <a:effectRef idx="0">
+            <a:schemeClr val="accent1"/>
+          </a:effectRef>
+          <a:fontRef idx="minor">
+            <a:schemeClr val="tx1"/>
+          </a:fontRef>
+        </p:style>
+      </p:cxnSp>
+      <p:sp>
+        <p:nvSpPr>
+          <p:cNvPr id="12" name="TextBox 11">
+            <a:extLst>
+              <a:ext uri="{FF2B5EF4-FFF2-40B4-BE49-F238E27FC236}">
+                <a16:creationId xmlns:a16="http://schemas.microsoft.com/office/drawing/2014/main" id="{C4650D98-4A4F-4A26-95AC-5ABE6BF14B9D}"/>
+              </a:ext>
+            </a:extLst>
+          </p:cNvPr>
+          <p:cNvSpPr txBox="1"/>
+          <p:nvPr/>
+        </p:nvSpPr>
+        <p:spPr>
+          <a:xfrm>
+            <a:off x="9223568" y="413952"/>
+            <a:ext cx="2505250" cy="646331"/>
+          </a:xfrm>
+          <a:prstGeom prst="rect">
+            <a:avLst/>
+          </a:prstGeom>
+          <a:noFill/>
+        </p:spPr>
+        <p:txBody>
+          <a:bodyPr wrap="square" rtlCol="0">
+            <a:spAutoFit/>
+          </a:bodyPr>
+          <a:lstStyle/>
+          <a:p>
+            <a:r>
+              <a:rPr lang="en-US" dirty="0"/>
+              <a:t>Volume and share of energy production types</a:t>
+            </a:r>
+            <a:endParaRPr lang="en-FI" dirty="0"/>
+          </a:p>
+        </p:txBody>
+      </p:sp>
+    </p:spTree>
+    <p:extLst>
+      <p:ext uri="{BB962C8B-B14F-4D97-AF65-F5344CB8AC3E}">
+        <p14:creationId xmlns:p14="http://schemas.microsoft.com/office/powerpoint/2010/main" val="2752045619"/>
+      </p:ext>
+    </p:extLst>
+  </p:cSld>
+  <p:clrMapOvr>
+    <a:masterClrMapping/>
+  </p:clrMapOvr>
+</p:sld>
+</file>
+
+<file path=ppt/slides/slide6.xml><?xml version="1.0" encoding="utf-8"?>
 <p:sld xmlns:a="http://schemas.openxmlformats.org/drawingml/2006/main" xmlns:r="http://schemas.openxmlformats.org/officeDocument/2006/relationships" xmlns:p="http://schemas.openxmlformats.org/presentationml/2006/main">
   <p:cSld>
     <p:bg>
@@ -5610,7 +5894,7 @@
 </p:sld>
 </file>
 
-<file path=ppt/slides/slide6.xml><?xml version="1.0" encoding="utf-8"?>
+<file path=ppt/slides/slide7.xml><?xml version="1.0" encoding="utf-8"?>
 <p:sld xmlns:a="http://schemas.openxmlformats.org/drawingml/2006/main" xmlns:r="http://schemas.openxmlformats.org/officeDocument/2006/relationships" xmlns:p="http://schemas.openxmlformats.org/presentationml/2006/main">
   <p:cSld>
     <p:bg>

--- a/IDS GROUP PROJECT.pptx
+++ b/IDS GROUP PROJECT.pptx
@@ -276,7 +276,7 @@
           <a:p>
             <a:fld id="{655A5808-3B61-48CC-92EF-85AC2E0DFA56}" type="datetime2">
               <a:rPr lang="en-US" smtClean="0"/>
-              <a:t>Wednesday, October 13, 2021</a:t>
+              <a:t>Thursday, October 14, 2021</a:t>
             </a:fld>
             <a:endParaRPr lang="en-US"/>
           </a:p>
@@ -474,7 +474,7 @@
           <a:p>
             <a:fld id="{735E98AF-4574-4509-BF7A-519ACD5BF826}" type="datetime2">
               <a:rPr lang="en-US" smtClean="0"/>
-              <a:t>Wednesday, October 13, 2021</a:t>
+              <a:t>Thursday, October 14, 2021</a:t>
             </a:fld>
             <a:endParaRPr lang="en-US"/>
           </a:p>
@@ -684,7 +684,7 @@
           <a:p>
             <a:fld id="{93DD97D4-9636-490F-85D0-E926C2B6F3B1}" type="datetime2">
               <a:rPr lang="en-US" smtClean="0"/>
-              <a:t>Wednesday, October 13, 2021</a:t>
+              <a:t>Thursday, October 14, 2021</a:t>
             </a:fld>
             <a:endParaRPr lang="en-US"/>
           </a:p>
@@ -883,7 +883,7 @@
           <a:p>
             <a:fld id="{2F3AF3C6-0FD4-4939-991C-00DDE5C56815}" type="datetime2">
               <a:rPr lang="en-US" smtClean="0"/>
-              <a:t>Wednesday, October 13, 2021</a:t>
+              <a:t>Thursday, October 14, 2021</a:t>
             </a:fld>
             <a:endParaRPr lang="en-US"/>
           </a:p>
@@ -1164,7 +1164,7 @@
           <a:p>
             <a:fld id="{86807482-8128-47C6-A8DD-6452B0291CFF}" type="datetime2">
               <a:rPr lang="en-US" smtClean="0"/>
-              <a:t>Wednesday, October 13, 2021</a:t>
+              <a:t>Thursday, October 14, 2021</a:t>
             </a:fld>
             <a:endParaRPr lang="en-US"/>
           </a:p>
@@ -1432,7 +1432,7 @@
           <a:p>
             <a:fld id="{37903F25-275E-41DE-BE3B-EBF0DB49F9B1}" type="datetime2">
               <a:rPr lang="en-US" smtClean="0"/>
-              <a:t>Wednesday, October 13, 2021</a:t>
+              <a:t>Thursday, October 14, 2021</a:t>
             </a:fld>
             <a:endParaRPr lang="en-US"/>
           </a:p>
@@ -1813,7 +1813,7 @@
           <a:p>
             <a:fld id="{EE475572-4A44-4171-84AA-64D42C8050A6}" type="datetime2">
               <a:rPr lang="en-US" smtClean="0"/>
-              <a:t>Wednesday, October 13, 2021</a:t>
+              <a:t>Thursday, October 14, 2021</a:t>
             </a:fld>
             <a:endParaRPr lang="en-US"/>
           </a:p>
@@ -1983,7 +1983,7 @@
           <a:p>
             <a:fld id="{C4C1612E-528E-4FD5-9E9E-E15F1108F171}" type="datetime2">
               <a:rPr lang="en-US" smtClean="0"/>
-              <a:t>Wednesday, October 13, 2021</a:t>
+              <a:t>Thursday, October 14, 2021</a:t>
             </a:fld>
             <a:endParaRPr lang="en-US"/>
           </a:p>
@@ -2096,7 +2096,7 @@
           <a:p>
             <a:fld id="{D4F6D862-A06D-436F-A92E-EBAAD50B6E50}" type="datetime2">
               <a:rPr lang="en-US" smtClean="0"/>
-              <a:t>Wednesday, October 13, 2021</a:t>
+              <a:t>Thursday, October 14, 2021</a:t>
             </a:fld>
             <a:endParaRPr lang="en-US"/>
           </a:p>
@@ -2413,7 +2413,7 @@
           <a:p>
             <a:fld id="{B73E0B7D-2260-4809-8F0A-9E5F3E24F169}" type="datetime2">
               <a:rPr lang="en-US" smtClean="0"/>
-              <a:t>Wednesday, October 13, 2021</a:t>
+              <a:t>Thursday, October 14, 2021</a:t>
             </a:fld>
             <a:endParaRPr lang="en-US"/>
           </a:p>
@@ -2705,7 +2705,7 @@
           <a:p>
             <a:fld id="{3C8E4735-C637-46A3-94EB-AB3AC4188D2F}" type="datetime2">
               <a:rPr lang="en-US" smtClean="0"/>
-              <a:t>Wednesday, October 13, 2021</a:t>
+              <a:t>Thursday, October 14, 2021</a:t>
             </a:fld>
             <a:endParaRPr lang="en-US"/>
           </a:p>
@@ -3073,7 +3073,7 @@
             <a:fld id="{AE0C963C-C1DB-4AFD-9DDC-0691666BF49B}" type="datetime2">
               <a:rPr lang="en-US" smtClean="0"/>
               <a:pPr/>
-              <a:t>Wednesday, October 13, 2021</a:t>
+              <a:t>Thursday, October 14, 2021</a:t>
             </a:fld>
             <a:endParaRPr lang="en-US" cap="all" dirty="0"/>
           </a:p>
@@ -3500,10 +3500,10 @@
       </p:grpSpPr>
       <p:sp useBgFill="1">
         <p:nvSpPr>
-          <p:cNvPr id="9" name="Rectangle 8">
-            <a:extLst>
-              <a:ext uri="{FF2B5EF4-FFF2-40B4-BE49-F238E27FC236}">
-                <a16:creationId xmlns:a16="http://schemas.microsoft.com/office/drawing/2014/main" id="{A8384FB5-9ADC-4DDC-881B-597D56F5B15D}"/>
+          <p:cNvPr id="63" name="Rectangle 49">
+            <a:extLst>
+              <a:ext uri="{FF2B5EF4-FFF2-40B4-BE49-F238E27FC236}">
+                <a16:creationId xmlns:a16="http://schemas.microsoft.com/office/drawing/2014/main" id="{8CF1B1A9-81D7-475B-9773-FA69E2D6C2E1}"/>
               </a:ext>
               <a:ext uri="{C183D7F6-B498-43B3-948B-1728B52AA6E4}">
                 <adec:decorative xmlns:adec="http://schemas.microsoft.com/office/drawing/2017/decorative" val="1"/>
@@ -3574,12 +3574,41 @@
           </a:p>
         </p:txBody>
       </p:sp>
-      <p:sp>
-        <p:nvSpPr>
-          <p:cNvPr id="45" name="Rectangle 10">
-            <a:extLst>
-              <a:ext uri="{FF2B5EF4-FFF2-40B4-BE49-F238E27FC236}">
-                <a16:creationId xmlns:a16="http://schemas.microsoft.com/office/drawing/2014/main" id="{0AF57B88-1D4C-41FA-A761-EC1DD10C35CB}"/>
+      <p:pic>
+        <p:nvPicPr>
+          <p:cNvPr id="4" name="Picture 3" descr="A close-up of green leaves in nature">
+            <a:extLst>
+              <a:ext uri="{FF2B5EF4-FFF2-40B4-BE49-F238E27FC236}">
+                <a16:creationId xmlns:a16="http://schemas.microsoft.com/office/drawing/2014/main" id="{A3BDC99C-BE3F-4776-A852-52FDE6597AB2}"/>
+              </a:ext>
+            </a:extLst>
+          </p:cNvPr>
+          <p:cNvPicPr>
+            <a:picLocks noChangeAspect="1"/>
+          </p:cNvPicPr>
+          <p:nvPr/>
+        </p:nvPicPr>
+        <p:blipFill rotWithShape="1">
+          <a:blip r:embed="rId2"/>
+          <a:srcRect t="15730"/>
+          <a:stretch/>
+        </p:blipFill>
+        <p:spPr>
+          <a:xfrm>
+            <a:off x="20" y="10"/>
+            <a:ext cx="12191980" cy="6857990"/>
+          </a:xfrm>
+          <a:prstGeom prst="rect">
+            <a:avLst/>
+          </a:prstGeom>
+        </p:spPr>
+      </p:pic>
+      <p:sp>
+        <p:nvSpPr>
+          <p:cNvPr id="64" name="Rectangle 51">
+            <a:extLst>
+              <a:ext uri="{FF2B5EF4-FFF2-40B4-BE49-F238E27FC236}">
+                <a16:creationId xmlns:a16="http://schemas.microsoft.com/office/drawing/2014/main" id="{825938E3-FCDD-4147-B4EC-232316751F65}"/>
               </a:ext>
               <a:ext uri="{C183D7F6-B498-43B3-948B-1728B52AA6E4}">
                 <adec:decorative xmlns:adec="http://schemas.microsoft.com/office/drawing/2017/decorative" val="1"/>
@@ -3598,26 +3627,32 @@
           </p:nvPr>
         </p:nvSpPr>
         <p:spPr>
-          <a:xfrm rot="5400000" flipH="1">
-            <a:off x="-1417539" y="1417538"/>
-            <a:ext cx="6875818" cy="4040744"/>
+          <a:xfrm rot="10800000">
+            <a:off x="3048" y="-808"/>
+            <a:ext cx="12188952" cy="3191317"/>
           </a:xfrm>
           <a:prstGeom prst="rect">
             <a:avLst/>
           </a:prstGeom>
           <a:gradFill>
             <a:gsLst>
-              <a:gs pos="11000">
-                <a:schemeClr val="accent2"/>
+              <a:gs pos="42000">
+                <a:schemeClr val="tx1">
+                  <a:alpha val="23000"/>
+                </a:schemeClr>
+              </a:gs>
+              <a:gs pos="0">
+                <a:schemeClr val="tx1">
+                  <a:alpha val="0"/>
+                </a:schemeClr>
               </a:gs>
               <a:gs pos="100000">
-                <a:schemeClr val="accent6">
-                  <a:lumMod val="75000"/>
-                  <a:alpha val="85000"/>
+                <a:schemeClr val="tx1">
+                  <a:alpha val="36000"/>
                 </a:schemeClr>
               </a:gs>
             </a:gsLst>
-            <a:lin ang="18600000" scaled="0"/>
+            <a:lin ang="5400000" scaled="1"/>
           </a:gradFill>
           <a:ln>
             <a:noFill/>
@@ -3644,16 +3679,139 @@
           <a:lstStyle/>
           <a:p>
             <a:pPr algn="ctr"/>
-            <a:endParaRPr lang="en-US" dirty="0"/>
-          </a:p>
-        </p:txBody>
-      </p:sp>
-      <p:sp>
-        <p:nvSpPr>
-          <p:cNvPr id="13" name="Rectangle 12">
-            <a:extLst>
-              <a:ext uri="{FF2B5EF4-FFF2-40B4-BE49-F238E27FC236}">
-                <a16:creationId xmlns:a16="http://schemas.microsoft.com/office/drawing/2014/main" id="{D2548F45-5164-4ABB-8212-7F293FDED8D4}"/>
+            <a:endParaRPr lang="en-US"/>
+          </a:p>
+        </p:txBody>
+      </p:sp>
+      <p:sp>
+        <p:nvSpPr>
+          <p:cNvPr id="2" name="Title 1">
+            <a:extLst>
+              <a:ext uri="{FF2B5EF4-FFF2-40B4-BE49-F238E27FC236}">
+                <a16:creationId xmlns:a16="http://schemas.microsoft.com/office/drawing/2014/main" id="{50630C5F-B873-4457-B013-53445821166F}"/>
+              </a:ext>
+            </a:extLst>
+          </p:cNvPr>
+          <p:cNvSpPr>
+            <a:spLocks noGrp="1"/>
+          </p:cNvSpPr>
+          <p:nvPr>
+            <p:ph type="ctrTitle"/>
+          </p:nvPr>
+        </p:nvSpPr>
+        <p:spPr>
+          <a:xfrm>
+            <a:off x="1524000" y="516834"/>
+            <a:ext cx="9144000" cy="1304013"/>
+          </a:xfrm>
+        </p:spPr>
+        <p:txBody>
+          <a:bodyPr>
+            <a:normAutofit/>
+          </a:bodyPr>
+          <a:lstStyle/>
+          <a:p>
+            <a:r>
+              <a:rPr lang="en-US" sz="3700">
+                <a:solidFill>
+                  <a:srgbClr val="FFFFFF"/>
+                </a:solidFill>
+              </a:rPr>
+              <a:t>Tablet vs Paper: how to take notes sustainably</a:t>
+            </a:r>
+            <a:endParaRPr lang="en-FI" sz="3700">
+              <a:solidFill>
+                <a:srgbClr val="FFFFFF"/>
+              </a:solidFill>
+            </a:endParaRPr>
+          </a:p>
+        </p:txBody>
+      </p:sp>
+      <p:sp>
+        <p:nvSpPr>
+          <p:cNvPr id="3" name="Subtitle 2">
+            <a:extLst>
+              <a:ext uri="{FF2B5EF4-FFF2-40B4-BE49-F238E27FC236}">
+                <a16:creationId xmlns:a16="http://schemas.microsoft.com/office/drawing/2014/main" id="{53DF8DE2-F0E9-4483-8A68-48461D59B1E4}"/>
+              </a:ext>
+            </a:extLst>
+          </p:cNvPr>
+          <p:cNvSpPr>
+            <a:spLocks noGrp="1"/>
+          </p:cNvSpPr>
+          <p:nvPr>
+            <p:ph type="subTitle" idx="1"/>
+          </p:nvPr>
+        </p:nvSpPr>
+        <p:spPr>
+          <a:xfrm>
+            <a:off x="2242268" y="1900362"/>
+            <a:ext cx="7569642" cy="890545"/>
+          </a:xfrm>
+        </p:spPr>
+        <p:txBody>
+          <a:bodyPr>
+            <a:normAutofit/>
+          </a:bodyPr>
+          <a:lstStyle/>
+          <a:p>
+            <a:pPr>
+              <a:lnSpc>
+                <a:spcPct val="140000"/>
+              </a:lnSpc>
+            </a:pPr>
+            <a:r>
+              <a:rPr lang="en-US" sz="1000">
+                <a:solidFill>
+                  <a:srgbClr val="FFFFFF"/>
+                </a:solidFill>
+              </a:rPr>
+              <a:t>Meike knull</a:t>
+            </a:r>
+          </a:p>
+          <a:p>
+            <a:pPr>
+              <a:lnSpc>
+                <a:spcPct val="140000"/>
+              </a:lnSpc>
+            </a:pPr>
+            <a:r>
+              <a:rPr lang="en-US" sz="1000">
+                <a:solidFill>
+                  <a:srgbClr val="FFFFFF"/>
+                </a:solidFill>
+              </a:rPr>
+              <a:t>kristina svetova</a:t>
+            </a:r>
+          </a:p>
+          <a:p>
+            <a:pPr>
+              <a:lnSpc>
+                <a:spcPct val="140000"/>
+              </a:lnSpc>
+            </a:pPr>
+            <a:r>
+              <a:rPr lang="en-US" sz="1000">
+                <a:solidFill>
+                  <a:srgbClr val="FFFFFF"/>
+                </a:solidFill>
+              </a:rPr>
+              <a:t>Timo koski</a:t>
+            </a:r>
+            <a:endParaRPr lang="en-FI" sz="1000">
+              <a:solidFill>
+                <a:srgbClr val="FFFFFF"/>
+              </a:solidFill>
+            </a:endParaRPr>
+          </a:p>
+        </p:txBody>
+      </p:sp>
+      <p:sp>
+        <p:nvSpPr>
+          <p:cNvPr id="54" name="Rectangle 53">
+            <a:extLst>
+              <a:ext uri="{FF2B5EF4-FFF2-40B4-BE49-F238E27FC236}">
+                <a16:creationId xmlns:a16="http://schemas.microsoft.com/office/drawing/2014/main" id="{9AA75596-FA3D-4A75-A3CB-443E14CBF572}"/>
               </a:ext>
               <a:ext uri="{C183D7F6-B498-43B3-948B-1728B52AA6E4}">
                 <adec:decorative xmlns:adec="http://schemas.microsoft.com/office/drawing/2017/decorative" val="1"/>
@@ -3672,28 +3830,16 @@
           </p:nvPr>
         </p:nvSpPr>
         <p:spPr>
-          <a:xfrm rot="16200000">
-            <a:off x="-159565" y="2659404"/>
-            <a:ext cx="4355594" cy="4040742"/>
+          <a:xfrm rot="10800000" flipH="1">
+            <a:off x="0" y="6400372"/>
+            <a:ext cx="12192000" cy="456773"/>
           </a:xfrm>
           <a:prstGeom prst="rect">
             <a:avLst/>
           </a:prstGeom>
-          <a:gradFill>
-            <a:gsLst>
-              <a:gs pos="0">
-                <a:schemeClr val="accent5">
-                  <a:alpha val="35000"/>
-                </a:schemeClr>
-              </a:gs>
-              <a:gs pos="100000">
-                <a:schemeClr val="accent6">
-                  <a:alpha val="0"/>
-                </a:schemeClr>
-              </a:gs>
-            </a:gsLst>
-            <a:lin ang="11400000" scaled="0"/>
-          </a:gradFill>
+          <a:solidFill>
+            <a:schemeClr val="bg1"/>
+          </a:solidFill>
           <a:ln>
             <a:noFill/>
           </a:ln>
@@ -3723,41 +3869,12 @@
           </a:p>
         </p:txBody>
       </p:sp>
-      <p:pic>
-        <p:nvPicPr>
-          <p:cNvPr id="4" name="Picture 3" descr="A close-up of green leaves in nature">
-            <a:extLst>
-              <a:ext uri="{FF2B5EF4-FFF2-40B4-BE49-F238E27FC236}">
-                <a16:creationId xmlns:a16="http://schemas.microsoft.com/office/drawing/2014/main" id="{A3BDC99C-BE3F-4776-A852-52FDE6597AB2}"/>
-              </a:ext>
-            </a:extLst>
-          </p:cNvPr>
-          <p:cNvPicPr>
-            <a:picLocks noChangeAspect="1"/>
-          </p:cNvPicPr>
-          <p:nvPr/>
-        </p:nvPicPr>
-        <p:blipFill rotWithShape="1">
-          <a:blip r:embed="rId2"/>
-          <a:srcRect l="20783"/>
-          <a:stretch/>
-        </p:blipFill>
-        <p:spPr>
-          <a:xfrm>
-            <a:off x="4038599" y="10"/>
-            <a:ext cx="8160026" cy="6875809"/>
-          </a:xfrm>
-          <a:prstGeom prst="rect">
-            <a:avLst/>
-          </a:prstGeom>
-        </p:spPr>
-      </p:pic>
-      <p:sp>
-        <p:nvSpPr>
-          <p:cNvPr id="15" name="Freeform: Shape 14">
-            <a:extLst>
-              <a:ext uri="{FF2B5EF4-FFF2-40B4-BE49-F238E27FC236}">
-                <a16:creationId xmlns:a16="http://schemas.microsoft.com/office/drawing/2014/main" id="{5E81CCFB-7BEF-4186-86FB-D09450B4D02D}"/>
+      <p:sp>
+        <p:nvSpPr>
+          <p:cNvPr id="56" name="Rectangle 55">
+            <a:extLst>
+              <a:ext uri="{FF2B5EF4-FFF2-40B4-BE49-F238E27FC236}">
+                <a16:creationId xmlns:a16="http://schemas.microsoft.com/office/drawing/2014/main" id="{FF5FBB9B-488E-47BA-9CA3-8CC9C7D1577C}"/>
               </a:ext>
               <a:ext uri="{C183D7F6-B498-43B3-948B-1728B52AA6E4}">
                 <adec:decorative xmlns:adec="http://schemas.microsoft.com/office/drawing/2017/decorative" val="1"/>
@@ -3776,122 +3893,27 @@
           </p:nvPr>
         </p:nvSpPr>
         <p:spPr>
-          <a:xfrm rot="6097846">
-            <a:off x="-747355" y="1201312"/>
-            <a:ext cx="4808302" cy="4088666"/>
-          </a:xfrm>
-          <a:custGeom>
+          <a:xfrm rot="10800000" flipH="1">
+            <a:off x="0" y="6400799"/>
+            <a:ext cx="12192000" cy="456773"/>
+          </a:xfrm>
+          <a:prstGeom prst="rect">
             <a:avLst/>
-            <a:gdLst>
-              <a:gd name="connsiteX0" fmla="*/ 48844 w 4808302"/>
-              <a:gd name="connsiteY0" fmla="*/ 2888671 h 4088666"/>
-              <a:gd name="connsiteX1" fmla="*/ 0 w 4808302"/>
-              <a:gd name="connsiteY1" fmla="*/ 2404151 h 4088666"/>
-              <a:gd name="connsiteX2" fmla="*/ 2404151 w 4808302"/>
-              <a:gd name="connsiteY2" fmla="*/ 0 h 4088666"/>
-              <a:gd name="connsiteX3" fmla="*/ 4808302 w 4808302"/>
-              <a:gd name="connsiteY3" fmla="*/ 2404151 h 4088666"/>
-              <a:gd name="connsiteX4" fmla="*/ 4700216 w 4808302"/>
-              <a:gd name="connsiteY4" fmla="*/ 3119072 h 4088666"/>
-              <a:gd name="connsiteX5" fmla="*/ 4643143 w 4808302"/>
-              <a:gd name="connsiteY5" fmla="*/ 3275009 h 4088666"/>
-              <a:gd name="connsiteX6" fmla="*/ 690093 w 4808302"/>
-              <a:gd name="connsiteY6" fmla="*/ 4088666 h 4088666"/>
-              <a:gd name="connsiteX7" fmla="*/ 548991 w 4808302"/>
-              <a:gd name="connsiteY7" fmla="*/ 3933414 h 4088666"/>
-              <a:gd name="connsiteX8" fmla="*/ 48844 w 4808302"/>
-              <a:gd name="connsiteY8" fmla="*/ 2888671 h 4088666"/>
-            </a:gdLst>
-            <a:ahLst/>
-            <a:cxnLst>
-              <a:cxn ang="0">
-                <a:pos x="connsiteX0" y="connsiteY0"/>
-              </a:cxn>
-              <a:cxn ang="0">
-                <a:pos x="connsiteX1" y="connsiteY1"/>
-              </a:cxn>
-              <a:cxn ang="0">
-                <a:pos x="connsiteX2" y="connsiteY2"/>
-              </a:cxn>
-              <a:cxn ang="0">
-                <a:pos x="connsiteX3" y="connsiteY3"/>
-              </a:cxn>
-              <a:cxn ang="0">
-                <a:pos x="connsiteX4" y="connsiteY4"/>
-              </a:cxn>
-              <a:cxn ang="0">
-                <a:pos x="connsiteX5" y="connsiteY5"/>
-              </a:cxn>
-              <a:cxn ang="0">
-                <a:pos x="connsiteX6" y="connsiteY6"/>
-              </a:cxn>
-              <a:cxn ang="0">
-                <a:pos x="connsiteX7" y="connsiteY7"/>
-              </a:cxn>
-              <a:cxn ang="0">
-                <a:pos x="connsiteX8" y="connsiteY8"/>
-              </a:cxn>
-            </a:cxnLst>
-            <a:rect l="l" t="t" r="r" b="b"/>
-            <a:pathLst>
-              <a:path w="4808302" h="4088666">
-                <a:moveTo>
-                  <a:pt x="48844" y="2888671"/>
-                </a:moveTo>
-                <a:cubicBezTo>
-                  <a:pt x="16818" y="2732167"/>
-                  <a:pt x="0" y="2570123"/>
-                  <a:pt x="0" y="2404151"/>
-                </a:cubicBezTo>
-                <a:cubicBezTo>
-                  <a:pt x="0" y="1076375"/>
-                  <a:pt x="1076375" y="0"/>
-                  <a:pt x="2404151" y="0"/>
-                </a:cubicBezTo>
-                <a:cubicBezTo>
-                  <a:pt x="3731927" y="0"/>
-                  <a:pt x="4808302" y="1076375"/>
-                  <a:pt x="4808302" y="2404151"/>
-                </a:cubicBezTo>
-                <a:cubicBezTo>
-                  <a:pt x="4808302" y="2653109"/>
-                  <a:pt x="4770461" y="2893229"/>
-                  <a:pt x="4700216" y="3119072"/>
-                </a:cubicBezTo>
-                <a:lnTo>
-                  <a:pt x="4643143" y="3275009"/>
-                </a:lnTo>
-                <a:lnTo>
-                  <a:pt x="690093" y="4088666"/>
-                </a:lnTo>
-                <a:lnTo>
-                  <a:pt x="548991" y="3933414"/>
-                </a:lnTo>
-                <a:cubicBezTo>
-                  <a:pt x="304015" y="3636572"/>
-                  <a:pt x="128908" y="3279932"/>
-                  <a:pt x="48844" y="2888671"/>
-                </a:cubicBezTo>
-                <a:close/>
-              </a:path>
-            </a:pathLst>
-          </a:custGeom>
+          </a:prstGeom>
           <a:gradFill>
             <a:gsLst>
-              <a:gs pos="39000">
+              <a:gs pos="14000">
                 <a:schemeClr val="accent4">
-                  <a:lumMod val="20000"/>
-                  <a:lumOff val="80000"/>
-                  <a:alpha val="0"/>
+                  <a:alpha val="28000"/>
                 </a:schemeClr>
               </a:gs>
               <a:gs pos="100000">
-                <a:schemeClr val="accent6">
-                  <a:alpha val="29000"/>
+                <a:schemeClr val="accent5">
+                  <a:alpha val="85000"/>
                 </a:schemeClr>
               </a:gs>
             </a:gsLst>
-            <a:lin ang="16800000" scaled="0"/>
+            <a:lin ang="6000000" scaled="0"/>
           </a:gradFill>
           <a:ln>
             <a:noFill/>
@@ -3914,175 +3936,86 @@
           </a:fontRef>
         </p:style>
         <p:txBody>
-          <a:bodyPr wrap="square" rtlCol="0" anchor="ctr">
-            <a:noAutofit/>
-          </a:bodyPr>
+          <a:bodyPr rtlCol="0" anchor="ctr"/>
           <a:lstStyle/>
           <a:p>
             <a:pPr algn="ctr"/>
-            <a:endParaRPr lang="en-US" dirty="0"/>
-          </a:p>
-        </p:txBody>
-      </p:sp>
-      <p:sp>
-        <p:nvSpPr>
-          <p:cNvPr id="2" name="Title 1">
-            <a:extLst>
-              <a:ext uri="{FF2B5EF4-FFF2-40B4-BE49-F238E27FC236}">
-                <a16:creationId xmlns:a16="http://schemas.microsoft.com/office/drawing/2014/main" id="{50630C5F-B873-4457-B013-53445821166F}"/>
-              </a:ext>
-            </a:extLst>
-          </p:cNvPr>
-          <p:cNvSpPr>
-            <a:spLocks noGrp="1"/>
-          </p:cNvSpPr>
-          <p:nvPr>
-            <p:ph type="ctrTitle"/>
-          </p:nvPr>
-        </p:nvSpPr>
-        <p:spPr>
-          <a:xfrm>
-            <a:off x="463825" y="2950387"/>
-            <a:ext cx="3077044" cy="3531403"/>
-          </a:xfrm>
-        </p:spPr>
-        <p:txBody>
-          <a:bodyPr anchor="t">
-            <a:normAutofit/>
-          </a:bodyPr>
-          <a:lstStyle/>
-          <a:p>
-            <a:pPr algn="r"/>
-            <a:r>
-              <a:rPr lang="en-US" sz="3200" dirty="0">
-                <a:solidFill>
-                  <a:schemeClr val="bg1"/>
-                </a:solidFill>
-              </a:rPr>
-              <a:t>IDS GROUP PROJECT</a:t>
-            </a:r>
-            <a:endParaRPr lang="en-FI" sz="3200" dirty="0">
-              <a:solidFill>
-                <a:schemeClr val="bg1"/>
-              </a:solidFill>
-            </a:endParaRPr>
-          </a:p>
-        </p:txBody>
-      </p:sp>
-      <p:sp>
-        <p:nvSpPr>
-          <p:cNvPr id="3" name="Subtitle 2">
-            <a:extLst>
-              <a:ext uri="{FF2B5EF4-FFF2-40B4-BE49-F238E27FC236}">
-                <a16:creationId xmlns:a16="http://schemas.microsoft.com/office/drawing/2014/main" id="{53DF8DE2-F0E9-4483-8A68-48461D59B1E4}"/>
-              </a:ext>
-            </a:extLst>
-          </p:cNvPr>
-          <p:cNvSpPr>
-            <a:spLocks noGrp="1"/>
-          </p:cNvSpPr>
-          <p:nvPr>
-            <p:ph type="subTitle" idx="1"/>
-          </p:nvPr>
-        </p:nvSpPr>
-        <p:spPr>
-          <a:xfrm>
-            <a:off x="642026" y="525970"/>
-            <a:ext cx="2937753" cy="1600225"/>
-          </a:xfrm>
-        </p:spPr>
-        <p:txBody>
-          <a:bodyPr anchor="b">
-            <a:normAutofit/>
-          </a:bodyPr>
-          <a:lstStyle/>
-          <a:p>
-            <a:pPr algn="r"/>
-            <a:r>
-              <a:rPr lang="en-US" sz="1200" dirty="0" err="1">
-                <a:solidFill>
-                  <a:schemeClr val="bg1"/>
-                </a:solidFill>
-              </a:rPr>
-              <a:t>Meike</a:t>
-            </a:r>
-            <a:r>
-              <a:rPr lang="en-US" sz="1200" dirty="0">
-                <a:solidFill>
-                  <a:schemeClr val="bg1"/>
-                </a:solidFill>
-              </a:rPr>
-              <a:t> </a:t>
-            </a:r>
-            <a:r>
-              <a:rPr lang="en-US" sz="1200" dirty="0" err="1">
-                <a:solidFill>
-                  <a:schemeClr val="bg1"/>
-                </a:solidFill>
-              </a:rPr>
-              <a:t>knull</a:t>
-            </a:r>
-            <a:endParaRPr lang="en-US" sz="1200" dirty="0">
-              <a:solidFill>
-                <a:schemeClr val="bg1"/>
-              </a:solidFill>
-            </a:endParaRPr>
-          </a:p>
-          <a:p>
-            <a:pPr algn="r"/>
-            <a:r>
-              <a:rPr lang="en-US" sz="1200" dirty="0" err="1">
-                <a:solidFill>
-                  <a:schemeClr val="bg1"/>
-                </a:solidFill>
-              </a:rPr>
-              <a:t>kristina</a:t>
-            </a:r>
-            <a:r>
-              <a:rPr lang="en-US" sz="1200" dirty="0">
-                <a:solidFill>
-                  <a:schemeClr val="bg1"/>
-                </a:solidFill>
-              </a:rPr>
-              <a:t> </a:t>
-            </a:r>
-            <a:r>
-              <a:rPr lang="en-US" sz="1200" dirty="0" err="1">
-                <a:solidFill>
-                  <a:schemeClr val="bg1"/>
-                </a:solidFill>
-              </a:rPr>
-              <a:t>svetova</a:t>
-            </a:r>
-            <a:endParaRPr lang="en-US" sz="1200" dirty="0">
-              <a:solidFill>
-                <a:schemeClr val="bg1"/>
-              </a:solidFill>
-            </a:endParaRPr>
-          </a:p>
-          <a:p>
-            <a:pPr algn="r"/>
-            <a:r>
-              <a:rPr lang="en-US" sz="1200" dirty="0">
-                <a:solidFill>
-                  <a:schemeClr val="bg1"/>
-                </a:solidFill>
-              </a:rPr>
-              <a:t>Timo </a:t>
-            </a:r>
-            <a:r>
-              <a:rPr lang="en-US" sz="1200" dirty="0" err="1">
-                <a:solidFill>
-                  <a:schemeClr val="bg1"/>
-                </a:solidFill>
-              </a:rPr>
-              <a:t>koski</a:t>
-            </a:r>
-            <a:endParaRPr lang="en-FI" sz="1200" dirty="0">
-              <a:solidFill>
-                <a:schemeClr val="bg1"/>
-              </a:solidFill>
-            </a:endParaRPr>
+            <a:endParaRPr lang="en-US"/>
+          </a:p>
+        </p:txBody>
+      </p:sp>
+      <p:sp>
+        <p:nvSpPr>
+          <p:cNvPr id="58" name="Rectangle 57">
+            <a:extLst>
+              <a:ext uri="{FF2B5EF4-FFF2-40B4-BE49-F238E27FC236}">
+                <a16:creationId xmlns:a16="http://schemas.microsoft.com/office/drawing/2014/main" id="{E3574FE0-C6E5-4148-8CC5-56169A790A66}"/>
+              </a:ext>
+              <a:ext uri="{C183D7F6-B498-43B3-948B-1728B52AA6E4}">
+                <adec:decorative xmlns:adec="http://schemas.microsoft.com/office/drawing/2017/decorative" val="1"/>
+              </a:ext>
+            </a:extLst>
+          </p:cNvPr>
+          <p:cNvSpPr>
+            <a:spLocks noGrp="1" noRot="1" noChangeAspect="1" noMove="1" noResize="1" noEditPoints="1" noAdjustHandles="1" noChangeArrowheads="1" noChangeShapeType="1" noTextEdit="1"/>
+          </p:cNvSpPr>
+          <p:nvPr>
+            <p:extLst>
+              <p:ext uri="{386F3935-93C4-4BCD-93E2-E3B085C9AB24}">
+                <p16:designElem xmlns:p16="http://schemas.microsoft.com/office/powerpoint/2015/main" val="1"/>
+              </p:ext>
+            </p:extLst>
+          </p:nvPr>
+        </p:nvSpPr>
+        <p:spPr>
+          <a:xfrm flipH="1">
+            <a:off x="4038600" y="6400799"/>
+            <a:ext cx="8153398" cy="456772"/>
+          </a:xfrm>
+          <a:prstGeom prst="rect">
+            <a:avLst/>
+          </a:prstGeom>
+          <a:gradFill>
+            <a:gsLst>
+              <a:gs pos="9000">
+                <a:schemeClr val="accent2">
+                  <a:lumMod val="60000"/>
+                  <a:lumOff val="40000"/>
+                  <a:alpha val="55000"/>
+                </a:schemeClr>
+              </a:gs>
+              <a:gs pos="99000">
+                <a:schemeClr val="accent2"/>
+              </a:gs>
+            </a:gsLst>
+            <a:lin ang="14400000" scaled="0"/>
+          </a:gradFill>
+          <a:ln>
+            <a:noFill/>
+          </a:ln>
+        </p:spPr>
+        <p:style>
+          <a:lnRef idx="2">
+            <a:schemeClr val="accent1">
+              <a:shade val="50000"/>
+            </a:schemeClr>
+          </a:lnRef>
+          <a:fillRef idx="1">
+            <a:schemeClr val="accent1"/>
+          </a:fillRef>
+          <a:effectRef idx="0">
+            <a:schemeClr val="accent1"/>
+          </a:effectRef>
+          <a:fontRef idx="minor">
+            <a:schemeClr val="lt1"/>
+          </a:fontRef>
+        </p:style>
+        <p:txBody>
+          <a:bodyPr rtlCol="0" anchor="ctr"/>
+          <a:lstStyle/>
+          <a:p>
+            <a:pPr algn="ctr"/>
+            <a:endParaRPr lang="en-US"/>
           </a:p>
         </p:txBody>
       </p:sp>
